--- a/SE495/Lectures/6-Services Integration/Services Integration.pptx
+++ b/SE495/Lectures/6-Services Integration/Services Integration.pptx
@@ -232,7 +232,7 @@
           <a:p>
             <a:fld id="{41DA9887-9249-49FD-809A-BACB264048C3}" type="datetimeFigureOut">
               <a:rPr lang="en-US" smtClean="0"/>
-              <a:t>3/8/2023</a:t>
+              <a:t>3/9/2023</a:t>
             </a:fld>
             <a:endParaRPr lang="en-US"/>
           </a:p>
@@ -634,7 +634,7 @@
           <a:p>
             <a:fld id="{3BD0A759-BB8A-47D0-A600-B59D1A03F484}" type="datetime1">
               <a:rPr lang="en-US" smtClean="0"/>
-              <a:t>3/8/2023</a:t>
+              <a:t>3/9/2023</a:t>
             </a:fld>
             <a:endParaRPr lang="en-US"/>
           </a:p>
@@ -924,7 +924,7 @@
           <a:p>
             <a:fld id="{CDD6390F-075D-4D01-B0B5-08A02CF5E4ED}" type="datetime1">
               <a:rPr lang="en-US" smtClean="0"/>
-              <a:t>3/8/2023</a:t>
+              <a:t>3/9/2023</a:t>
             </a:fld>
             <a:endParaRPr lang="en-US"/>
           </a:p>
@@ -1102,7 +1102,7 @@
           <a:p>
             <a:fld id="{B719F69F-17C3-46F1-B2CE-F6DE75843F61}" type="datetime1">
               <a:rPr lang="en-US" smtClean="0"/>
-              <a:t>3/8/2023</a:t>
+              <a:t>3/9/2023</a:t>
             </a:fld>
             <a:endParaRPr lang="en-US"/>
           </a:p>
@@ -1345,7 +1345,7 @@
             </a:pPr>
             <a:fld id="{BB6FC7F8-06CE-42E4-9706-13828C82B91B}" type="datetime1">
               <a:rPr lang="en-US" smtClean="0"/>
-              <a:t>3/8/2023</a:t>
+              <a:t>3/9/2023</a:t>
             </a:fld>
             <a:endParaRPr lang="en-US"/>
           </a:p>
@@ -1525,7 +1525,7 @@
             </a:pPr>
             <a:fld id="{B68185E8-C19E-4B2F-A4A3-3EBDBD166B38}" type="datetime1">
               <a:rPr lang="en-US" smtClean="0"/>
-              <a:t>3/8/2023</a:t>
+              <a:t>3/9/2023</a:t>
             </a:fld>
             <a:endParaRPr lang="en-US"/>
           </a:p>
@@ -1803,7 +1803,7 @@
           <a:p>
             <a:fld id="{099AD224-1105-4A08-B2B4-C0F4488A8A02}" type="datetime1">
               <a:rPr lang="en-US" smtClean="0"/>
-              <a:t>3/8/2023</a:t>
+              <a:t>3/9/2023</a:t>
             </a:fld>
             <a:endParaRPr lang="en-US"/>
           </a:p>
@@ -2147,7 +2147,7 @@
           <a:p>
             <a:fld id="{9E7EF804-EBF1-4D2D-8DE2-084556CC17BF}" type="datetime1">
               <a:rPr lang="en-US" smtClean="0"/>
-              <a:t>3/8/2023</a:t>
+              <a:t>3/9/2023</a:t>
             </a:fld>
             <a:endParaRPr lang="en-US"/>
           </a:p>
@@ -2376,7 +2376,7 @@
           <a:p>
             <a:fld id="{FB0E70EA-64E8-4A1C-829D-284E88B2D42D}" type="datetime1">
               <a:rPr lang="en-US" smtClean="0"/>
-              <a:t>3/8/2023</a:t>
+              <a:t>3/9/2023</a:t>
             </a:fld>
             <a:endParaRPr lang="en-US"/>
           </a:p>
@@ -2740,7 +2740,7 @@
           <a:p>
             <a:fld id="{2013077F-9ED0-4235-B871-2E199905B004}" type="datetime1">
               <a:rPr lang="en-US" smtClean="0"/>
-              <a:t>3/8/2023</a:t>
+              <a:t>3/9/2023</a:t>
             </a:fld>
             <a:endParaRPr lang="en-US"/>
           </a:p>
@@ -2835,7 +2835,7 @@
           <a:p>
             <a:fld id="{A99F4FD4-00B8-4D1F-8EF0-D2C32F714B3D}" type="datetime1">
               <a:rPr lang="en-US" smtClean="0"/>
-              <a:t>3/8/2023</a:t>
+              <a:t>3/9/2023</a:t>
             </a:fld>
             <a:endParaRPr lang="en-US"/>
           </a:p>
@@ -3057,7 +3057,7 @@
             <a:fld id="{B2F5E2FA-C428-4CE7-95B0-168D3259A5BB}" type="datetimeFigureOut">
               <a:rPr lang="en-US" smtClean="0"/>
               <a:pPr/>
-              <a:t>3/8/2023</a:t>
+              <a:t>3/9/2023</a:t>
             </a:fld>
             <a:endParaRPr lang="en-US"/>
           </a:p>
@@ -3228,7 +3228,7 @@
           <a:p>
             <a:fld id="{8C6A915E-44F3-4064-A496-F77B0F83CA32}" type="datetime1">
               <a:rPr lang="en-US" smtClean="0"/>
-              <a:t>3/8/2023</a:t>
+              <a:t>3/9/2023</a:t>
             </a:fld>
             <a:endParaRPr lang="en-US"/>
           </a:p>
@@ -3503,7 +3503,7 @@
           <a:p>
             <a:fld id="{DDDD4838-8EAC-41AB-9E64-D4CE999FB075}" type="datetime1">
               <a:rPr lang="en-US" smtClean="0"/>
-              <a:t>3/8/2023</a:t>
+              <a:t>3/9/2023</a:t>
             </a:fld>
             <a:endParaRPr lang="en-US"/>
           </a:p>
@@ -3755,7 +3755,7 @@
           <a:p>
             <a:fld id="{EB94DCC0-9BD5-4615-899F-05FE6436C5DA}" type="datetime1">
               <a:rPr lang="en-US" smtClean="0"/>
-              <a:t>3/8/2023</a:t>
+              <a:t>3/9/2023</a:t>
             </a:fld>
             <a:endParaRPr lang="en-US"/>
           </a:p>
@@ -3966,7 +3966,7 @@
           <a:p>
             <a:fld id="{05602BD9-9DDE-4364-B9C4-3219C3A7F1D2}" type="datetime1">
               <a:rPr lang="en-US" smtClean="0"/>
-              <a:t>3/8/2023</a:t>
+              <a:t>3/9/2023</a:t>
             </a:fld>
             <a:endParaRPr lang="en-US"/>
           </a:p>
@@ -4398,7 +4398,6 @@
               <a:rPr lang="en-US" dirty="0"/>
               <a:t>Services Integration</a:t>
             </a:r>
-            <a:endParaRPr lang="en-US" dirty="0"/>
           </a:p>
         </p:txBody>
       </p:sp>
@@ -5859,8 +5858,8 @@
               </a:lnSpc>
             </a:pPr>
             <a:r>
-              <a:rPr lang="en-US" dirty="0"/>
-              <a:t>Introduction</a:t>
+              <a:rPr lang="en-US" dirty="0" smtClean="0"/>
+              <a:t>Integration/Composition</a:t>
             </a:r>
           </a:p>
           <a:p>
@@ -5870,8 +5869,8 @@
               </a:lnSpc>
             </a:pPr>
             <a:r>
-              <a:rPr lang="en-US" dirty="0"/>
-              <a:t>Integration Types</a:t>
+              <a:rPr lang="en-US" dirty="0" smtClean="0"/>
+              <a:t>Application Integration and Event Streaming</a:t>
             </a:r>
           </a:p>
           <a:p>
@@ -5881,8 +5880,8 @@
               </a:lnSpc>
             </a:pPr>
             <a:r>
-              <a:rPr lang="en-US" dirty="0"/>
-              <a:t>Integration Models</a:t>
+              <a:rPr lang="en-US" dirty="0" smtClean="0"/>
+              <a:t>Camel and Kafka</a:t>
             </a:r>
           </a:p>
           <a:p>
@@ -5891,32 +5890,7 @@
                 <a:spcPct val="100000"/>
               </a:lnSpc>
             </a:pPr>
-            <a:r>
-              <a:rPr lang="en-US" dirty="0"/>
-              <a:t>Integrated system vs. Legacy System</a:t>
-            </a:r>
-          </a:p>
-          <a:p>
-            <a:pPr>
-              <a:lnSpc>
-                <a:spcPct val="100000"/>
-              </a:lnSpc>
-            </a:pPr>
-            <a:r>
-              <a:rPr lang="en-US" dirty="0"/>
-              <a:t>Integration type</a:t>
-            </a:r>
-          </a:p>
-          <a:p>
-            <a:pPr>
-              <a:lnSpc>
-                <a:spcPct val="100000"/>
-              </a:lnSpc>
-            </a:pPr>
-            <a:r>
-              <a:rPr lang="en-US" dirty="0"/>
-              <a:t>Integration Architecture</a:t>
-            </a:r>
+            <a:endParaRPr lang="en-US" dirty="0"/>
           </a:p>
         </p:txBody>
       </p:sp>
@@ -7475,13 +7449,8 @@
             <a:pPr lvl="2"/>
             <a:r>
               <a:rPr lang="en-US" dirty="0" smtClean="0"/>
-              <a:t>Messages- request for information, no state change, </a:t>
-            </a:r>
-            <a:r>
-              <a:rPr lang="en-US" dirty="0" smtClean="0"/>
-              <a:t>synchronous</a:t>
-            </a:r>
-            <a:endParaRPr lang="en-US" dirty="0" smtClean="0"/>
+              <a:t>Messages- request for information, no state change, synchronous</a:t>
+            </a:r>
           </a:p>
           <a:p>
             <a:pPr lvl="1"/>
